--- a/Лекция N - Знакомство с HIVE.pptx
+++ b/Лекция N - Знакомство с HIVE.pptx
@@ -185,7 +185,7 @@
     </inkml:brush>
   </inkml:definitions>
   <inkml:trace contextRef="#ctx0" brushRef="#br0">16581 6985 0,'0'53'31,"0"35"-15,0 247-1,0 53 1,0 36 0,0 17-1,0-36 1,52 177-1,1 53 1,-35-88 0,-18-106-1,53-53 1,-53-106 0,0-88-1,0-88 1,0-70-1,0 17 95,0-1-95,0 19 1,0 17 0,-35 18-1,35-53 1,-18 0 15,18-18-15,0 0-16,0 18 15,0 0 1,-18-17 0</inkml:trace>
-  <inkml:trace contextRef="#ctx0" brushRef="#br0" timeOffset="1288.35">16722 12965 0,'0'0'0,"17"0"0,89 0 16,159 0-1,158 0 1,89 0-1,-230 0 1,935 0 0,-741 0-1,336 0 1,-266 0 0,36 0-1,89 0 1,-36 0-1,-88 0 1,-18 0 0,53 0-1,0 0 1,-71 0 0,-52 0-1,-53 0 1,-36 0-1,36 0 1,-18 0 0,18 0-1,-18 0 1,0 0 0,-36 0-1,-140 0 1,-124 0-1,53 0 1,36 0 0,-1 0-1,-88 0 1,-35-36 0,-17 36-1,-36-17 126,-71-1-110</inkml:trace>
+  <inkml:trace contextRef="#ctx0" brushRef="#br0" timeOffset="1288.34">16722 12965 0,'0'0'0,"17"0"0,89 0 16,159 0-1,158 0 1,89 0-1,-230 0 1,935 0 0,-741 0-1,336 0 1,-266 0 0,36 0-1,89 0 1,-36 0-1,-88 0 1,-18 0 0,53 0-1,0 0 1,-71 0 0,-52 0-1,-53 0 1,-36 0-1,36 0 1,-18 0 0,18 0-1,-18 0 1,0 0 0,-36 0-1,-140 0 1,-124 0-1,53 0 1,36 0 0,-1 0-1,-88 0 1,-35-36 0,-17 36-1,-36-17 126,-71-1-110</inkml:trace>
   <inkml:trace contextRef="#ctx0" brushRef="#br0" timeOffset="2216.19">30251 12841 0,'35'0'31,"71"18"-15,0-1-1,-36 1 1,-35 0 0,-35-1 62,0 107-63,-176-36 1,-18 53 0,35-70-1,89-54 1,34 1-1,1-18 1,0 35 0,0 0-1,17-17 1,-17 17 0</inkml:trace>
   <inkml:trace contextRef="#ctx0" brushRef="#br0" timeOffset="3184.03">16404 7003 0,'-17'0'16,"-19"0"0,-17 53-1,-35 88 1,18-35 0,-1-36-1,71-17 1,0-18-1,71-35 32</inkml:trace>
   <inkml:trace contextRef="#ctx0" brushRef="#br0" timeOffset="3504.36">16810 7038 0,'35'-18'16,"-35"159"-1,35 71 1,-17-106 0,70 158-1,-70-211 1,70-106 46</inkml:trace>
@@ -193,7 +193,7 @@
   <inkml:trace contextRef="#ctx0" brushRef="#br0" timeOffset="4664.09">17551 7497 0,'0'-18'125,"123"18"-125,265 0 16,-141 0 0,-176 0 15</inkml:trace>
   <inkml:trace contextRef="#ctx0" brushRef="#br0" timeOffset="6448.26">31238 12047 0,'0'53'16,"53"194"-1,36 0 1,-72-123-1,71 158 1,-17-70 0,-18-1-1,0-17 1,-18-17 0,-35-89-1,0-53 1,18-17-1,17-18 32,177-230-31,35-52 0,-124 0-1,-17-53 1,-36 17-1,-34 36 1,-19 88 0,72-18-1,-89 107 1,17 69 0,1 36 62</inkml:trace>
   <inkml:trace contextRef="#ctx0" brushRef="#br0" timeOffset="8224.83">24412 12506 0,'18'0'63,"141"0"-48,229 0 1,-53 0 0,-141 0-1,-141 0 1,0 0 0,17 0-1,36 0 1,-71-18-1,18-17 48,-53 17-47,0-17-1</inkml:trace>
-  <inkml:trace contextRef="#ctx0" brushRef="#br0" timeOffset="8775.85">25788 12277 0,'-70'0'109,"34"0"-93,-52 0 0,-18 0-1,-17 0 1,35 0-1,52 0 64,213 88-64,34-18 1,-87-17-1,-107-35 126</inkml:trace>
+  <inkml:trace contextRef="#ctx0" brushRef="#br0" timeOffset="8775.84">25788 12277 0,'-70'0'109,"34"0"-93,-52 0 0,-18 0-1,-17 0 1,35 0-1,52 0 64,213 88-64,34-18 1,-87-17-1,-107-35 126</inkml:trace>
   <inkml:trace contextRef="#ctx0" brushRef="#br0" timeOffset="14480.38">16933 12682 0,'36'0'141,"-1"-17"-126,35-1 1,-17 0 15,-35 18 1,0 0-17,17 0 1,-17 0-1,17 0 1,0 0 15,0 0 1,1-17-17,-19 17 1,19 0-1,-1-18 1,-17 18 0,-1 0-1,18 0 1,1 0 0,-19 0-1,1 0 1,17 0-1,1-17 1,16 17 15,-16 0-15,-1 0 15,-17-18-15,35 18-1,-1-18 17,-34 18-17,17 0 1,-17 0 0,17 0-1,18-17 1,-35 17-1,35-18 1,0 18 0,17 0-1,-34 0 1,34 0 0,-17 0-1,0 0 1,-18 0-1,0-18 1,36 18 15,-36 0-31,-17 0 16,35 0 0,-35 0 15,17 0-31,0 0 15,0 0 1,1 0 0,-1 0-1,0 0 1,0 0 0,1 0-1,-1 0 1,-17 0-1,52 0 1,-52 0 0,35 0 15,-36 0-31,36 0 31,-17 0-15,-19 0-16,1 0 15,17 0 1,0 0 0,18 0 15,-17 0-31,34 0 16,-35 0-1,18 0 16,-17 0-31,-19 0 16,19 0 0,69 0-1,-34 0 1,0 0 0,-36 0-1,18 0 1,0-17-1,-18 17 1,18-18 0,0 18 15,-18 0-31,-17 0 16,17 0-1,35-35 1,-52 35-1,53-18 1,-54 18 0,19-17 15,-19-1-31,1 18 16,-18-18-1,70 1 1,-34 17 15,-19-18-15,19 0-1,-1 1 1,0-1 15,-17 18-15,17-18-1,-17 18 1,17 0 0,0-17-1,-17-1 1,17 0 0,0 1 15,-17 17-16,0 0 1,17-18 0,0 1 15,-17-1-15,0 18-1,-1 0 16,54-18-15,-36 1 0,-17 17 15,35-18-15,-36 18-1,36-18 16,-18 18-15,-35-17 0,18 17-16,17 0 15,1-18 1,-1 0 15,-17 18-15,34-17-1,-34 17 1,17-35 0,18-1 15,-35 36-15,0 0-1,17-17 1,-17 17 15,34-18 0,-34 0-31,17 1 16,36-19 15,-53 19-15,-1-18-1,1 35 1,35-18 15,-36 18-31,19-18 32,-19 18-32,1 0 15,17-17 1,-17 17-1,17 0 1,-17-18 0,-18 0-1,17 18 1,36 0 31,-35 0-16,0-17-15,-1 17 406,1 0-172,0 0-219</inkml:trace>
   <inkml:trace contextRef="#ctx0" brushRef="#br0" timeOffset="15064.26">22648 12294 0,'0'36'63,"0"52"-63,0 88 15,-35-88 1,35 1-1,0-72 1,18-17 0,52 0-1,-17 0-15</inkml:trace>
   <inkml:trace contextRef="#ctx0" brushRef="#br0" timeOffset="15329.3">22966 12541 0,'0'0'0,"17"0"16,-17 53 0,0 35-1,0-52 1,36-19-1,-19-17 1,19 0 0,34 0-1,1 0 1</inkml:trace>
@@ -286,7 +286,7 @@
           <a:p>
             <a:fld id="{AC42CB5B-8ADA-47E8-92EE-240255EA26CB}" type="datetimeFigureOut">
               <a:rPr lang="ru-RU" smtClean="0"/>
-              <a:t>22.11.2021</a:t>
+              <a:t>30.11.2021</a:t>
             </a:fld>
             <a:endParaRPr lang="ru-RU"/>
           </a:p>
@@ -1156,7 +1156,7 @@
           <a:p>
             <a:fld id="{81B23B3C-5F11-4E32-800A-6DF3DED5BE53}" type="datetimeFigureOut">
               <a:rPr lang="ru-RU" smtClean="0"/>
-              <a:t>22.11.2021</a:t>
+              <a:t>30.11.2021</a:t>
             </a:fld>
             <a:endParaRPr lang="ru-RU"/>
           </a:p>
@@ -1326,7 +1326,7 @@
           <a:p>
             <a:fld id="{81B23B3C-5F11-4E32-800A-6DF3DED5BE53}" type="datetimeFigureOut">
               <a:rPr lang="ru-RU" smtClean="0"/>
-              <a:t>22.11.2021</a:t>
+              <a:t>30.11.2021</a:t>
             </a:fld>
             <a:endParaRPr lang="ru-RU"/>
           </a:p>
@@ -1506,7 +1506,7 @@
           <a:p>
             <a:fld id="{81B23B3C-5F11-4E32-800A-6DF3DED5BE53}" type="datetimeFigureOut">
               <a:rPr lang="ru-RU" smtClean="0"/>
-              <a:t>22.11.2021</a:t>
+              <a:t>30.11.2021</a:t>
             </a:fld>
             <a:endParaRPr lang="ru-RU"/>
           </a:p>
@@ -1676,7 +1676,7 @@
           <a:p>
             <a:fld id="{81B23B3C-5F11-4E32-800A-6DF3DED5BE53}" type="datetimeFigureOut">
               <a:rPr lang="ru-RU" smtClean="0"/>
-              <a:t>22.11.2021</a:t>
+              <a:t>30.11.2021</a:t>
             </a:fld>
             <a:endParaRPr lang="ru-RU"/>
           </a:p>
@@ -1944,7 +1944,7 @@
           <a:p>
             <a:fld id="{81B23B3C-5F11-4E32-800A-6DF3DED5BE53}" type="datetimeFigureOut">
               <a:rPr lang="ru-RU" smtClean="0"/>
-              <a:t>22.11.2021</a:t>
+              <a:t>30.11.2021</a:t>
             </a:fld>
             <a:endParaRPr lang="ru-RU"/>
           </a:p>
@@ -2176,7 +2176,7 @@
           <a:p>
             <a:fld id="{81B23B3C-5F11-4E32-800A-6DF3DED5BE53}" type="datetimeFigureOut">
               <a:rPr lang="ru-RU" smtClean="0"/>
-              <a:t>22.11.2021</a:t>
+              <a:t>30.11.2021</a:t>
             </a:fld>
             <a:endParaRPr lang="ru-RU"/>
           </a:p>
@@ -2535,7 +2535,7 @@
           <a:p>
             <a:fld id="{81B23B3C-5F11-4E32-800A-6DF3DED5BE53}" type="datetimeFigureOut">
               <a:rPr lang="ru-RU" smtClean="0"/>
-              <a:t>22.11.2021</a:t>
+              <a:t>30.11.2021</a:t>
             </a:fld>
             <a:endParaRPr lang="ru-RU"/>
           </a:p>
@@ -2676,7 +2676,7 @@
           <a:p>
             <a:fld id="{81B23B3C-5F11-4E32-800A-6DF3DED5BE53}" type="datetimeFigureOut">
               <a:rPr lang="ru-RU" smtClean="0"/>
-              <a:t>22.11.2021</a:t>
+              <a:t>30.11.2021</a:t>
             </a:fld>
             <a:endParaRPr lang="ru-RU"/>
           </a:p>
@@ -2771,7 +2771,7 @@
           <a:p>
             <a:fld id="{81B23B3C-5F11-4E32-800A-6DF3DED5BE53}" type="datetimeFigureOut">
               <a:rPr lang="ru-RU" smtClean="0"/>
-              <a:t>22.11.2021</a:t>
+              <a:t>30.11.2021</a:t>
             </a:fld>
             <a:endParaRPr lang="ru-RU"/>
           </a:p>
@@ -3128,7 +3128,7 @@
           <a:p>
             <a:fld id="{81B23B3C-5F11-4E32-800A-6DF3DED5BE53}" type="datetimeFigureOut">
               <a:rPr lang="ru-RU" smtClean="0"/>
-              <a:t>22.11.2021</a:t>
+              <a:t>30.11.2021</a:t>
             </a:fld>
             <a:endParaRPr lang="ru-RU"/>
           </a:p>
@@ -3485,7 +3485,7 @@
           <a:p>
             <a:fld id="{81B23B3C-5F11-4E32-800A-6DF3DED5BE53}" type="datetimeFigureOut">
               <a:rPr lang="ru-RU" smtClean="0"/>
-              <a:t>22.11.2021</a:t>
+              <a:t>30.11.2021</a:t>
             </a:fld>
             <a:endParaRPr lang="ru-RU"/>
           </a:p>
@@ -3727,7 +3727,7 @@
           <a:p>
             <a:fld id="{81B23B3C-5F11-4E32-800A-6DF3DED5BE53}" type="datetimeFigureOut">
               <a:rPr lang="ru-RU" smtClean="0"/>
-              <a:t>22.11.2021</a:t>
+              <a:t>30.11.2021</a:t>
             </a:fld>
             <a:endParaRPr lang="ru-RU"/>
           </a:p>
@@ -6516,8 +6516,8 @@
           </a:prstGeom>
         </p:spPr>
       </p:pic>
-      <mc:AlternateContent xmlns:mc="http://schemas.openxmlformats.org/markup-compatibility/2006">
-        <mc:Choice xmlns:p14="http://schemas.microsoft.com/office/powerpoint/2010/main" Requires="p14">
+      <mc:AlternateContent xmlns:mc="http://schemas.openxmlformats.org/markup-compatibility/2006" xmlns:p14="http://schemas.microsoft.com/office/powerpoint/2010/main">
+        <mc:Choice Requires="p14">
           <p:contentPart p14:bwMode="auto" r:id="rId3">
             <p14:nvContentPartPr>
               <p14:cNvPr id="4" name="Рукописный ввод 3">
@@ -6536,7 +6536,7 @@
             </p14:xfrm>
           </p:contentPart>
         </mc:Choice>
-        <mc:Fallback>
+        <mc:Fallback xmlns="">
           <p:pic>
             <p:nvPicPr>
               <p:cNvPr id="4" name="Рукописный ввод 3">
